--- a/Documents/Capstone_Three_Step_5_Final_Slide_Deck.pptx
+++ b/Documents/Capstone_Three_Step_5_Final_Slide_Deck.pptx
@@ -159,7 +159,7 @@
 <file path=ppt/revisionInfo.xml><?xml version="1.0" encoding="utf-8"?>
 <p1510:revInfo xmlns:a="http://schemas.openxmlformats.org/drawingml/2006/main" xmlns:r="http://schemas.openxmlformats.org/officeDocument/2006/relationships" xmlns:p1510="http://schemas.microsoft.com/office/powerpoint/2015/10/main">
   <p1510:revLst>
-    <p1510:client id="{46B4354D-8CE2-4908-9E84-199A166694EB}" v="55" dt="2025-06-30T15:08:01.004"/>
+    <p1510:client id="{46B4354D-8CE2-4908-9E84-199A166694EB}" v="57" dt="2025-07-01T01:17:59.268"/>
   </p1510:revLst>
 </p1510:revInfo>
 </file>
@@ -169,7 +169,7 @@
   <pc:docChgLst>
     <pc:chgData name="Hui Zhang" userId="d3743247-105a-4bfd-a5bd-2e2149ea9dc3" providerId="ADAL" clId="{46B4354D-8CE2-4908-9E84-199A166694EB}"/>
     <pc:docChg chg="undo redo custSel addSld delSld modSld sldOrd modSection">
-      <pc:chgData name="Hui Zhang" userId="d3743247-105a-4bfd-a5bd-2e2149ea9dc3" providerId="ADAL" clId="{46B4354D-8CE2-4908-9E84-199A166694EB}" dt="2025-06-30T15:09:06.099" v="597" actId="1076"/>
+      <pc:chgData name="Hui Zhang" userId="d3743247-105a-4bfd-a5bd-2e2149ea9dc3" providerId="ADAL" clId="{46B4354D-8CE2-4908-9E84-199A166694EB}" dt="2025-07-01T01:17:59.268" v="599" actId="5736"/>
       <pc:docMkLst>
         <pc:docMk/>
       </pc:docMkLst>
@@ -444,14 +444,6 @@
           <pc:docMk/>
           <pc:sldMk cId="2745086334" sldId="275"/>
         </pc:sldMkLst>
-        <pc:graphicFrameChg chg="mod modGraphic">
-          <ac:chgData name="Hui Zhang" userId="d3743247-105a-4bfd-a5bd-2e2149ea9dc3" providerId="ADAL" clId="{46B4354D-8CE2-4908-9E84-199A166694EB}" dt="2025-06-29T15:17:31.913" v="87" actId="207"/>
-          <ac:graphicFrameMkLst>
-            <pc:docMk/>
-            <pc:sldMk cId="2745086334" sldId="275"/>
-            <ac:graphicFrameMk id="4" creationId="{0F4CC9E6-5BD4-6507-AAF3-A3F1C8F70C4B}"/>
-          </ac:graphicFrameMkLst>
-        </pc:graphicFrameChg>
       </pc:sldChg>
       <pc:sldChg chg="addSp delSp modSp add mod">
         <pc:chgData name="Hui Zhang" userId="d3743247-105a-4bfd-a5bd-2e2149ea9dc3" providerId="ADAL" clId="{46B4354D-8CE2-4908-9E84-199A166694EB}" dt="2025-06-30T14:20:47.474" v="388" actId="1076"/>
@@ -601,7 +593,7 @@
         </pc:spChg>
       </pc:sldChg>
       <pc:sldChg chg="addSp delSp modSp add del mod ord">
-        <pc:chgData name="Hui Zhang" userId="d3743247-105a-4bfd-a5bd-2e2149ea9dc3" providerId="ADAL" clId="{46B4354D-8CE2-4908-9E84-199A166694EB}" dt="2025-06-30T15:05:38.793" v="459"/>
+        <pc:chgData name="Hui Zhang" userId="d3743247-105a-4bfd-a5bd-2e2149ea9dc3" providerId="ADAL" clId="{46B4354D-8CE2-4908-9E84-199A166694EB}" dt="2025-07-01T01:17:42.428" v="598" actId="5736"/>
         <pc:sldMkLst>
           <pc:docMk/>
           <pc:sldMk cId="1887259260" sldId="278"/>
@@ -639,7 +631,7 @@
           </ac:spMkLst>
         </pc:spChg>
         <pc:graphicFrameChg chg="add mod">
-          <ac:chgData name="Hui Zhang" userId="d3743247-105a-4bfd-a5bd-2e2149ea9dc3" providerId="ADAL" clId="{46B4354D-8CE2-4908-9E84-199A166694EB}" dt="2025-06-30T15:05:26.521" v="457"/>
+          <ac:chgData name="Hui Zhang" userId="d3743247-105a-4bfd-a5bd-2e2149ea9dc3" providerId="ADAL" clId="{46B4354D-8CE2-4908-9E84-199A166694EB}" dt="2025-07-01T01:17:42.428" v="598" actId="5736"/>
           <ac:graphicFrameMkLst>
             <pc:docMk/>
             <pc:sldMk cId="1887259260" sldId="278"/>
@@ -731,7 +723,7 @@
         </pc:sldMkLst>
       </pc:sldChg>
       <pc:sldChg chg="addSp delSp modSp add mod">
-        <pc:chgData name="Hui Zhang" userId="d3743247-105a-4bfd-a5bd-2e2149ea9dc3" providerId="ADAL" clId="{46B4354D-8CE2-4908-9E84-199A166694EB}" dt="2025-06-30T15:06:33.594" v="483" actId="478"/>
+        <pc:chgData name="Hui Zhang" userId="d3743247-105a-4bfd-a5bd-2e2149ea9dc3" providerId="ADAL" clId="{46B4354D-8CE2-4908-9E84-199A166694EB}" dt="2025-07-01T01:17:59.268" v="599" actId="5736"/>
         <pc:sldMkLst>
           <pc:docMk/>
           <pc:sldMk cId="601533972" sldId="279"/>
@@ -761,7 +753,7 @@
           </ac:graphicFrameMkLst>
         </pc:graphicFrameChg>
         <pc:graphicFrameChg chg="add mod">
-          <ac:chgData name="Hui Zhang" userId="d3743247-105a-4bfd-a5bd-2e2149ea9dc3" providerId="ADAL" clId="{46B4354D-8CE2-4908-9E84-199A166694EB}" dt="2025-06-30T15:06:30.581" v="482"/>
+          <ac:chgData name="Hui Zhang" userId="d3743247-105a-4bfd-a5bd-2e2149ea9dc3" providerId="ADAL" clId="{46B4354D-8CE2-4908-9E84-199A166694EB}" dt="2025-07-01T01:17:59.268" v="599" actId="5736"/>
           <ac:graphicFrameMkLst>
             <pc:docMk/>
             <pc:sldMk cId="601533972" sldId="279"/>
@@ -6524,7 +6516,7 @@
           <p:nvPr>
             <p:extLst>
               <p:ext uri="{D42A27DB-BD31-4B8C-83A1-F6EECF244321}">
-                <p14:modId xmlns:p14="http://schemas.microsoft.com/office/powerpoint/2010/main" val="1099564364"/>
+                <p14:modId xmlns:p14="http://schemas.microsoft.com/office/powerpoint/2010/main" val="3430764880"/>
               </p:ext>
             </p:extLst>
           </p:nvPr>
@@ -8198,7 +8190,7 @@
           <p:nvPr>
             <p:extLst>
               <p:ext uri="{D42A27DB-BD31-4B8C-83A1-F6EECF244321}">
-                <p14:modId xmlns:p14="http://schemas.microsoft.com/office/powerpoint/2010/main" val="2268418153"/>
+                <p14:modId xmlns:p14="http://schemas.microsoft.com/office/powerpoint/2010/main" val="3319250330"/>
               </p:ext>
             </p:extLst>
           </p:nvPr>
